--- a/시뮬레이션.pptx
+++ b/시뮬레이션.pptx
@@ -108,6 +108,11 @@
       </a:defRPr>
     </a:lvl9pPr>
   </p:defaultTextStyle>
+  <p:extLst>
+    <p:ext uri="{EFAFB233-063F-42B5-8137-9DF3F51BA10A}">
+      <p15:sldGuideLst xmlns:p15="http://schemas.microsoft.com/office/powerpoint/2012/main"/>
+    </p:ext>
+  </p:extLst>
 </p:presentation>
 </file>
 
@@ -193,7 +198,7 @@
           <a:p>
             <a:fld id="{AC9E5E7F-6124-D546-8CA9-DD012E4828B5}" type="datetimeFigureOut">
               <a:rPr kumimoji="1" lang="ko-Kore-KR" altLang="en-US" smtClean="0"/>
-              <a:t>2022. 2. 16.</a:t>
+              <a:t>2022. 3. 1.</a:t>
             </a:fld>
             <a:endParaRPr kumimoji="1" lang="ko-Kore-KR" altLang="en-US"/>
           </a:p>
@@ -676,7 +681,7 @@
           <a:p>
             <a:fld id="{86564D31-82D6-D347-81D5-3E99F1641956}" type="datetimeFigureOut">
               <a:rPr kumimoji="1" lang="ko-Kore-KR" altLang="en-US" smtClean="0"/>
-              <a:t>2022. 2. 16.</a:t>
+              <a:t>2022. 3. 1.</a:t>
             </a:fld>
             <a:endParaRPr kumimoji="1" lang="ko-Kore-KR" altLang="en-US"/>
           </a:p>
@@ -846,7 +851,7 @@
           <a:p>
             <a:fld id="{86564D31-82D6-D347-81D5-3E99F1641956}" type="datetimeFigureOut">
               <a:rPr kumimoji="1" lang="ko-Kore-KR" altLang="en-US" smtClean="0"/>
-              <a:t>2022. 2. 16.</a:t>
+              <a:t>2022. 3. 1.</a:t>
             </a:fld>
             <a:endParaRPr kumimoji="1" lang="ko-Kore-KR" altLang="en-US"/>
           </a:p>
@@ -1026,7 +1031,7 @@
           <a:p>
             <a:fld id="{86564D31-82D6-D347-81D5-3E99F1641956}" type="datetimeFigureOut">
               <a:rPr kumimoji="1" lang="ko-Kore-KR" altLang="en-US" smtClean="0"/>
-              <a:t>2022. 2. 16.</a:t>
+              <a:t>2022. 3. 1.</a:t>
             </a:fld>
             <a:endParaRPr kumimoji="1" lang="ko-Kore-KR" altLang="en-US"/>
           </a:p>
@@ -1196,7 +1201,7 @@
           <a:p>
             <a:fld id="{86564D31-82D6-D347-81D5-3E99F1641956}" type="datetimeFigureOut">
               <a:rPr kumimoji="1" lang="ko-Kore-KR" altLang="en-US" smtClean="0"/>
-              <a:t>2022. 2. 16.</a:t>
+              <a:t>2022. 3. 1.</a:t>
             </a:fld>
             <a:endParaRPr kumimoji="1" lang="ko-Kore-KR" altLang="en-US"/>
           </a:p>
@@ -1440,7 +1445,7 @@
           <a:p>
             <a:fld id="{86564D31-82D6-D347-81D5-3E99F1641956}" type="datetimeFigureOut">
               <a:rPr kumimoji="1" lang="ko-Kore-KR" altLang="en-US" smtClean="0"/>
-              <a:t>2022. 2. 16.</a:t>
+              <a:t>2022. 3. 1.</a:t>
             </a:fld>
             <a:endParaRPr kumimoji="1" lang="ko-Kore-KR" altLang="en-US"/>
           </a:p>
@@ -1672,7 +1677,7 @@
           <a:p>
             <a:fld id="{86564D31-82D6-D347-81D5-3E99F1641956}" type="datetimeFigureOut">
               <a:rPr kumimoji="1" lang="ko-Kore-KR" altLang="en-US" smtClean="0"/>
-              <a:t>2022. 2. 16.</a:t>
+              <a:t>2022. 3. 1.</a:t>
             </a:fld>
             <a:endParaRPr kumimoji="1" lang="ko-Kore-KR" altLang="en-US"/>
           </a:p>
@@ -2039,7 +2044,7 @@
           <a:p>
             <a:fld id="{86564D31-82D6-D347-81D5-3E99F1641956}" type="datetimeFigureOut">
               <a:rPr kumimoji="1" lang="ko-Kore-KR" altLang="en-US" smtClean="0"/>
-              <a:t>2022. 2. 16.</a:t>
+              <a:t>2022. 3. 1.</a:t>
             </a:fld>
             <a:endParaRPr kumimoji="1" lang="ko-Kore-KR" altLang="en-US"/>
           </a:p>
@@ -2157,7 +2162,7 @@
           <a:p>
             <a:fld id="{86564D31-82D6-D347-81D5-3E99F1641956}" type="datetimeFigureOut">
               <a:rPr kumimoji="1" lang="ko-Kore-KR" altLang="en-US" smtClean="0"/>
-              <a:t>2022. 2. 16.</a:t>
+              <a:t>2022. 3. 1.</a:t>
             </a:fld>
             <a:endParaRPr kumimoji="1" lang="ko-Kore-KR" altLang="en-US"/>
           </a:p>
@@ -2252,7 +2257,7 @@
           <a:p>
             <a:fld id="{86564D31-82D6-D347-81D5-3E99F1641956}" type="datetimeFigureOut">
               <a:rPr kumimoji="1" lang="ko-Kore-KR" altLang="en-US" smtClean="0"/>
-              <a:t>2022. 2. 16.</a:t>
+              <a:t>2022. 3. 1.</a:t>
             </a:fld>
             <a:endParaRPr kumimoji="1" lang="ko-Kore-KR" altLang="en-US"/>
           </a:p>
@@ -2529,7 +2534,7 @@
           <a:p>
             <a:fld id="{86564D31-82D6-D347-81D5-3E99F1641956}" type="datetimeFigureOut">
               <a:rPr kumimoji="1" lang="ko-Kore-KR" altLang="en-US" smtClean="0"/>
-              <a:t>2022. 2. 16.</a:t>
+              <a:t>2022. 3. 1.</a:t>
             </a:fld>
             <a:endParaRPr kumimoji="1" lang="ko-Kore-KR" altLang="en-US"/>
           </a:p>
@@ -2786,7 +2791,7 @@
           <a:p>
             <a:fld id="{86564D31-82D6-D347-81D5-3E99F1641956}" type="datetimeFigureOut">
               <a:rPr kumimoji="1" lang="ko-Kore-KR" altLang="en-US" smtClean="0"/>
-              <a:t>2022. 2. 16.</a:t>
+              <a:t>2022. 3. 1.</a:t>
             </a:fld>
             <a:endParaRPr kumimoji="1" lang="ko-Kore-KR" altLang="en-US"/>
           </a:p>
@@ -2999,7 +3004,7 @@
           <a:p>
             <a:fld id="{86564D31-82D6-D347-81D5-3E99F1641956}" type="datetimeFigureOut">
               <a:rPr kumimoji="1" lang="ko-Kore-KR" altLang="en-US" smtClean="0"/>
-              <a:t>2022. 2. 16.</a:t>
+              <a:t>2022. 3. 1.</a:t>
             </a:fld>
             <a:endParaRPr kumimoji="1" lang="ko-Kore-KR" altLang="en-US"/>
           </a:p>
@@ -3471,8 +3476,8 @@
           <p:nvPr/>
         </p:nvSpPr>
         <p:spPr>
-          <a:xfrm rot="21047302">
-            <a:off x="2997911" y="2128128"/>
+          <a:xfrm rot="21098029">
+            <a:off x="3225467" y="2128129"/>
             <a:ext cx="422532" cy="7935741"/>
           </a:xfrm>
           <a:prstGeom prst="rect">
